--- a/ppt/2DGP 이재원 최종발표.pptx
+++ b/ppt/2DGP 이재원 최종발표.pptx
@@ -4808,14 +4808,14 @@
           <p:nvPr>
             <p:extLst>
               <p:ext uri="{D42A27DB-BD31-4B8C-83A1-F6EECF244321}">
-                <p14:modId xmlns:p14="http://schemas.microsoft.com/office/powerpoint/2010/main" val="2300776726"/>
+                <p14:modId xmlns:p14="http://schemas.microsoft.com/office/powerpoint/2010/main" val="3717090014"/>
               </p:ext>
             </p:extLst>
           </p:nvPr>
         </p:nvGraphicFramePr>
         <p:xfrm>
           <a:off x="7778376" y="922785"/>
-          <a:ext cx="4413624" cy="4079240"/>
+          <a:ext cx="4413624" cy="4450080"/>
         </p:xfrm>
         <a:graphic>
           <a:graphicData uri="http://schemas.openxmlformats.org/drawingml/2006/table">
@@ -5218,6 +5218,10 @@
                     <a:lstStyle/>
                     <a:p>
                       <a:pPr latinLnBrk="1"/>
+                      <a:r>
+                        <a:rPr lang="en-US" altLang="ko-KR" dirty="0"/>
+                        <a:t>10</a:t>
+                      </a:r>
                       <a:endParaRPr lang="ko-KR" altLang="en-US" dirty="0"/>
                     </a:p>
                   </a:txBody>
@@ -5229,6 +5233,10 @@
                     <a:lstStyle/>
                     <a:p>
                       <a:pPr latinLnBrk="1"/>
+                      <a:r>
+                        <a:rPr lang="en-US" altLang="ko-KR" dirty="0"/>
+                        <a:t>5</a:t>
+                      </a:r>
                       <a:endParaRPr lang="ko-KR" altLang="en-US" dirty="0"/>
                     </a:p>
                   </a:txBody>
@@ -5237,6 +5245,43 @@
                 <a:extLst>
                   <a:ext uri="{0D108BD9-81ED-4DB2-BD59-A6C34878D82A}">
                     <a16:rowId xmlns:a16="http://schemas.microsoft.com/office/drawing/2014/main" val="1414639460"/>
+                  </a:ext>
+                </a:extLst>
+              </a:tr>
+              <a:tr h="370840">
+                <a:tc>
+                  <a:txBody>
+                    <a:bodyPr/>
+                    <a:lstStyle/>
+                    <a:p>
+                      <a:pPr latinLnBrk="1"/>
+                      <a:r>
+                        <a:rPr lang="en-US" altLang="ko-KR" dirty="0"/>
+                        <a:t>11</a:t>
+                      </a:r>
+                      <a:endParaRPr lang="ko-KR" altLang="en-US" dirty="0"/>
+                    </a:p>
+                  </a:txBody>
+                  <a:tcPr/>
+                </a:tc>
+                <a:tc>
+                  <a:txBody>
+                    <a:bodyPr/>
+                    <a:lstStyle/>
+                    <a:p>
+                      <a:pPr latinLnBrk="1"/>
+                      <a:r>
+                        <a:rPr lang="en-US" altLang="ko-KR" dirty="0"/>
+                        <a:t>15</a:t>
+                      </a:r>
+                      <a:endParaRPr lang="ko-KR" altLang="en-US" dirty="0"/>
+                    </a:p>
+                  </a:txBody>
+                  <a:tcPr/>
+                </a:tc>
+                <a:extLst>
+                  <a:ext uri="{0D108BD9-81ED-4DB2-BD59-A6C34878D82A}">
+                    <a16:rowId xmlns:a16="http://schemas.microsoft.com/office/drawing/2014/main" val="4261070789"/>
                   </a:ext>
                 </a:extLst>
               </a:tr>

--- a/ppt/2DGP 이재원 최종발표.pptx
+++ b/ppt/2DGP 이재원 최종발표.pptx
@@ -3829,18 +3829,18 @@
           <a:lstStyle/>
           <a:p>
             <a:r>
-              <a:rPr lang="en-US" altLang="ko-KR" sz="11500" dirty="0">
+              <a:rPr lang="ko-KR" altLang="en-US" sz="11500">
                 <a:latin typeface="Koverwatch" panose="02020603020101020101" pitchFamily="18" charset="-127"/>
                 <a:ea typeface="Koverwatch" panose="02020603020101020101" pitchFamily="18" charset="-127"/>
               </a:rPr>
-              <a:t>3</a:t>
+              <a:t>최종 </a:t>
             </a:r>
             <a:r>
               <a:rPr lang="ko-KR" altLang="en-US" sz="11500" dirty="0">
                 <a:latin typeface="Koverwatch" panose="02020603020101020101" pitchFamily="18" charset="-127"/>
                 <a:ea typeface="Koverwatch" panose="02020603020101020101" pitchFamily="18" charset="-127"/>
               </a:rPr>
-              <a:t>차 발표</a:t>
+              <a:t>발표</a:t>
             </a:r>
             <a:endParaRPr lang="ko-KR" altLang="en-US" dirty="0"/>
           </a:p>
